--- a/Images/PPT/Banner.pptx
+++ b/Images/PPT/Banner.pptx
@@ -104,6 +104,11 @@
       </a:defRPr>
     </a:lvl9pPr>
   </p:defaultTextStyle>
+  <p:extLst>
+    <p:ext uri="{EFAFB233-063F-42B5-8137-9DF3F51BA10A}">
+      <p15:sldGuideLst xmlns:p15="http://schemas.microsoft.com/office/powerpoint/2012/main"/>
+    </p:ext>
+  </p:extLst>
 </p:presentation>
 </file>
 
@@ -2956,15 +2961,9 @@
   <p:cSld>
     <p:bg>
       <p:bgPr>
-        <a:blipFill dpi="0" rotWithShape="1">
-          <a:blip r:embed="rId2">
-            <a:lum/>
-          </a:blip>
-          <a:srcRect/>
-          <a:stretch>
-            <a:fillRect/>
-          </a:stretch>
-        </a:blipFill>
+        <a:solidFill>
+          <a:schemeClr val="tx1"/>
+        </a:solidFill>
         <a:effectLst/>
       </p:bgPr>
     </p:bg>
@@ -2984,19 +2983,47 @@
       </p:grpSpPr>
       <p:pic>
         <p:nvPicPr>
-          <p:cNvPr id="9" name="Content Placeholder 8">
+          <p:cNvPr id="64" name="Picture 63">
             <a:extLst>
               <a:ext uri="{FF2B5EF4-FFF2-40B4-BE49-F238E27FC236}">
-                <a16:creationId xmlns:a16="http://schemas.microsoft.com/office/drawing/2014/main" id="{30AE512F-D818-2547-08D2-8668F606B533}"/>
+                <a16:creationId xmlns:a16="http://schemas.microsoft.com/office/drawing/2014/main" id="{258AEEF4-A3DD-B604-442B-C66144D281F1}"/>
               </a:ext>
             </a:extLst>
           </p:cNvPr>
           <p:cNvPicPr>
-            <a:picLocks noGrp="1" noChangeAspect="1"/>
+            <a:picLocks noChangeAspect="1"/>
           </p:cNvPicPr>
-          <p:nvPr>
-            <p:ph idx="1"/>
-          </p:nvPr>
+          <p:nvPr/>
+        </p:nvPicPr>
+        <p:blipFill>
+          <a:blip r:embed="rId2"/>
+          <a:stretch>
+            <a:fillRect/>
+          </a:stretch>
+        </p:blipFill>
+        <p:spPr>
+          <a:xfrm>
+            <a:off x="2652427" y="227167"/>
+            <a:ext cx="5265934" cy="2632967"/>
+          </a:xfrm>
+          <a:prstGeom prst="rect">
+            <a:avLst/>
+          </a:prstGeom>
+        </p:spPr>
+      </p:pic>
+      <p:pic>
+        <p:nvPicPr>
+          <p:cNvPr id="34" name="Picture 33">
+            <a:extLst>
+              <a:ext uri="{FF2B5EF4-FFF2-40B4-BE49-F238E27FC236}">
+                <a16:creationId xmlns:a16="http://schemas.microsoft.com/office/drawing/2014/main" id="{10DC8B1E-2C74-FE47-60E2-7DDEFA92F1D1}"/>
+              </a:ext>
+            </a:extLst>
+          </p:cNvPr>
+          <p:cNvPicPr>
+            <a:picLocks noChangeAspect="1"/>
+          </p:cNvPicPr>
+          <p:nvPr/>
         </p:nvPicPr>
         <p:blipFill>
           <a:blip r:embed="rId3"/>
@@ -3006,17 +3033,20 @@
         </p:blipFill>
         <p:spPr>
           <a:xfrm>
-            <a:off x="1037426" y="1691293"/>
-            <a:ext cx="1767923" cy="1767923"/>
+            <a:off x="10849833" y="1689859"/>
+            <a:ext cx="1440000" cy="1440000"/>
           </a:xfrm>
+          <a:prstGeom prst="rect">
+            <a:avLst/>
+          </a:prstGeom>
         </p:spPr>
       </p:pic>
       <p:pic>
         <p:nvPicPr>
-          <p:cNvPr id="11" name="Picture 10">
+          <p:cNvPr id="42" name="Picture 41">
             <a:extLst>
               <a:ext uri="{FF2B5EF4-FFF2-40B4-BE49-F238E27FC236}">
-                <a16:creationId xmlns:a16="http://schemas.microsoft.com/office/drawing/2014/main" id="{7F35EDE5-D630-CAF5-A433-F1235B125EF8}"/>
+                <a16:creationId xmlns:a16="http://schemas.microsoft.com/office/drawing/2014/main" id="{02CF91E9-22EB-2872-B1AD-C451D9B2C06A}"/>
               </a:ext>
             </a:extLst>
           </p:cNvPr>
@@ -3033,8 +3063,8 @@
         </p:blipFill>
         <p:spPr>
           <a:xfrm>
-            <a:off x="4215016" y="3459216"/>
-            <a:ext cx="1218011" cy="1218011"/>
+            <a:off x="5656313" y="2040287"/>
+            <a:ext cx="5145029" cy="5145029"/>
           </a:xfrm>
           <a:prstGeom prst="rect">
             <a:avLst/>
@@ -3043,10 +3073,10 @@
       </p:pic>
       <p:pic>
         <p:nvPicPr>
-          <p:cNvPr id="13" name="Picture 12">
+          <p:cNvPr id="50" name="Picture 49">
             <a:extLst>
               <a:ext uri="{FF2B5EF4-FFF2-40B4-BE49-F238E27FC236}">
-                <a16:creationId xmlns:a16="http://schemas.microsoft.com/office/drawing/2014/main" id="{FDE0DEF2-57B8-B96E-FD64-D0B8A6324519}"/>
+                <a16:creationId xmlns:a16="http://schemas.microsoft.com/office/drawing/2014/main" id="{8E7D0EF0-85EF-7CCD-D5A2-51CF45FBB67E}"/>
               </a:ext>
             </a:extLst>
           </p:cNvPr>
@@ -3055,16 +3085,15 @@
           </p:cNvPicPr>
           <p:nvPr/>
         </p:nvPicPr>
-        <p:blipFill>
+        <p:blipFill rotWithShape="1">
           <a:blip r:embed="rId5"/>
-          <a:stretch>
-            <a:fillRect/>
-          </a:stretch>
+          <a:srcRect b="10719"/>
+          <a:stretch/>
         </p:blipFill>
         <p:spPr>
           <a:xfrm>
-            <a:off x="5914226" y="2252133"/>
-            <a:ext cx="1654192" cy="1654192"/>
+            <a:off x="4717308" y="3611943"/>
+            <a:ext cx="7306688" cy="2408357"/>
           </a:xfrm>
           <a:prstGeom prst="rect">
             <a:avLst/>
@@ -3073,10 +3102,10 @@
       </p:pic>
       <p:pic>
         <p:nvPicPr>
-          <p:cNvPr id="15" name="Picture 14">
+          <p:cNvPr id="7" name="Picture 6">
             <a:extLst>
               <a:ext uri="{FF2B5EF4-FFF2-40B4-BE49-F238E27FC236}">
-                <a16:creationId xmlns:a16="http://schemas.microsoft.com/office/drawing/2014/main" id="{4B938FFD-2623-E406-1EDB-26F5AB528292}"/>
+                <a16:creationId xmlns:a16="http://schemas.microsoft.com/office/drawing/2014/main" id="{6C45F4BF-E46F-32FE-9BF5-CC01A715DA85}"/>
               </a:ext>
             </a:extLst>
           </p:cNvPr>
@@ -3093,8 +3122,8 @@
         </p:blipFill>
         <p:spPr>
           <a:xfrm>
-            <a:off x="11289565" y="3375390"/>
-            <a:ext cx="1061869" cy="1061869"/>
+            <a:off x="251979" y="140533"/>
+            <a:ext cx="1138845" cy="1138845"/>
           </a:xfrm>
           <a:prstGeom prst="rect">
             <a:avLst/>
@@ -3103,10 +3132,10 @@
       </p:pic>
       <p:pic>
         <p:nvPicPr>
-          <p:cNvPr id="17" name="Picture 16">
+          <p:cNvPr id="14" name="Picture 13">
             <a:extLst>
               <a:ext uri="{FF2B5EF4-FFF2-40B4-BE49-F238E27FC236}">
-                <a16:creationId xmlns:a16="http://schemas.microsoft.com/office/drawing/2014/main" id="{C8E3F984-F062-EE6E-B28B-86F936411093}"/>
+                <a16:creationId xmlns:a16="http://schemas.microsoft.com/office/drawing/2014/main" id="{3603AA51-39B9-7F14-0611-8CFA0F57A3E2}"/>
               </a:ext>
             </a:extLst>
           </p:cNvPr>
@@ -3123,8 +3152,668 @@
         </p:blipFill>
         <p:spPr>
           <a:xfrm>
-            <a:off x="8439702" y="1354047"/>
-            <a:ext cx="1796171" cy="1796171"/>
+            <a:off x="2267976" y="4904184"/>
+            <a:ext cx="1080000" cy="942420"/>
+          </a:xfrm>
+          <a:prstGeom prst="rect">
+            <a:avLst/>
+          </a:prstGeom>
+        </p:spPr>
+      </p:pic>
+      <p:pic>
+        <p:nvPicPr>
+          <p:cNvPr id="18" name="Picture 17">
+            <a:extLst>
+              <a:ext uri="{FF2B5EF4-FFF2-40B4-BE49-F238E27FC236}">
+                <a16:creationId xmlns:a16="http://schemas.microsoft.com/office/drawing/2014/main" id="{991E27FB-B365-EEA1-CED4-5873D3F4FC70}"/>
+              </a:ext>
+            </a:extLst>
+          </p:cNvPr>
+          <p:cNvPicPr>
+            <a:picLocks noChangeAspect="1"/>
+          </p:cNvPicPr>
+          <p:nvPr/>
+        </p:nvPicPr>
+        <p:blipFill>
+          <a:blip r:embed="rId8"/>
+          <a:stretch>
+            <a:fillRect/>
+          </a:stretch>
+        </p:blipFill>
+        <p:spPr>
+          <a:xfrm>
+            <a:off x="11209833" y="457406"/>
+            <a:ext cx="1080000" cy="942420"/>
+          </a:xfrm>
+          <a:prstGeom prst="rect">
+            <a:avLst/>
+          </a:prstGeom>
+        </p:spPr>
+      </p:pic>
+      <p:pic>
+        <p:nvPicPr>
+          <p:cNvPr id="20" name="Picture 19">
+            <a:extLst>
+              <a:ext uri="{FF2B5EF4-FFF2-40B4-BE49-F238E27FC236}">
+                <a16:creationId xmlns:a16="http://schemas.microsoft.com/office/drawing/2014/main" id="{CE430A26-8E48-2C0A-0065-A0758989DCB4}"/>
+              </a:ext>
+            </a:extLst>
+          </p:cNvPr>
+          <p:cNvPicPr>
+            <a:picLocks noChangeAspect="1"/>
+          </p:cNvPicPr>
+          <p:nvPr/>
+        </p:nvPicPr>
+        <p:blipFill>
+          <a:blip r:embed="rId9"/>
+          <a:stretch>
+            <a:fillRect/>
+          </a:stretch>
+        </p:blipFill>
+        <p:spPr>
+          <a:xfrm>
+            <a:off x="8231413" y="-43920"/>
+            <a:ext cx="1206080" cy="1206080"/>
+          </a:xfrm>
+          <a:prstGeom prst="rect">
+            <a:avLst/>
+          </a:prstGeom>
+        </p:spPr>
+      </p:pic>
+      <p:pic>
+        <p:nvPicPr>
+          <p:cNvPr id="22" name="Picture 21">
+            <a:extLst>
+              <a:ext uri="{FF2B5EF4-FFF2-40B4-BE49-F238E27FC236}">
+                <a16:creationId xmlns:a16="http://schemas.microsoft.com/office/drawing/2014/main" id="{A65CF0C3-A4F6-1F8C-3234-5712784A31B8}"/>
+              </a:ext>
+            </a:extLst>
+          </p:cNvPr>
+          <p:cNvPicPr>
+            <a:picLocks noChangeAspect="1"/>
+          </p:cNvPicPr>
+          <p:nvPr/>
+        </p:nvPicPr>
+        <p:blipFill>
+          <a:blip r:embed="rId10"/>
+          <a:stretch>
+            <a:fillRect/>
+          </a:stretch>
+        </p:blipFill>
+        <p:spPr>
+          <a:xfrm>
+            <a:off x="13539298" y="3968565"/>
+            <a:ext cx="1155022" cy="1155022"/>
+          </a:xfrm>
+          <a:prstGeom prst="rect">
+            <a:avLst/>
+          </a:prstGeom>
+        </p:spPr>
+      </p:pic>
+      <p:pic>
+        <p:nvPicPr>
+          <p:cNvPr id="24" name="Picture 23">
+            <a:extLst>
+              <a:ext uri="{FF2B5EF4-FFF2-40B4-BE49-F238E27FC236}">
+                <a16:creationId xmlns:a16="http://schemas.microsoft.com/office/drawing/2014/main" id="{F1DF6B05-A04C-3179-EAD1-825D54B6F8D5}"/>
+              </a:ext>
+            </a:extLst>
+          </p:cNvPr>
+          <p:cNvPicPr>
+            <a:picLocks noChangeAspect="1"/>
+          </p:cNvPicPr>
+          <p:nvPr/>
+        </p:nvPicPr>
+        <p:blipFill>
+          <a:blip r:embed="rId11"/>
+          <a:stretch>
+            <a:fillRect/>
+          </a:stretch>
+        </p:blipFill>
+        <p:spPr>
+          <a:xfrm>
+            <a:off x="178945" y="4744319"/>
+            <a:ext cx="925487" cy="925487"/>
+          </a:xfrm>
+          <a:prstGeom prst="rect">
+            <a:avLst/>
+          </a:prstGeom>
+        </p:spPr>
+      </p:pic>
+      <p:pic>
+        <p:nvPicPr>
+          <p:cNvPr id="26" name="Picture 25">
+            <a:extLst>
+              <a:ext uri="{FF2B5EF4-FFF2-40B4-BE49-F238E27FC236}">
+                <a16:creationId xmlns:a16="http://schemas.microsoft.com/office/drawing/2014/main" id="{CE259E71-DD91-7690-26D3-397BAB0B9532}"/>
+              </a:ext>
+            </a:extLst>
+          </p:cNvPr>
+          <p:cNvPicPr>
+            <a:picLocks noChangeAspect="1"/>
+          </p:cNvPicPr>
+          <p:nvPr/>
+        </p:nvPicPr>
+        <p:blipFill>
+          <a:blip r:embed="rId12"/>
+          <a:stretch>
+            <a:fillRect/>
+          </a:stretch>
+        </p:blipFill>
+        <p:spPr>
+          <a:xfrm>
+            <a:off x="701007" y="3672016"/>
+            <a:ext cx="900000" cy="900000"/>
+          </a:xfrm>
+          <a:prstGeom prst="rect">
+            <a:avLst/>
+          </a:prstGeom>
+        </p:spPr>
+      </p:pic>
+      <p:pic>
+        <p:nvPicPr>
+          <p:cNvPr id="28" name="Picture 27">
+            <a:extLst>
+              <a:ext uri="{FF2B5EF4-FFF2-40B4-BE49-F238E27FC236}">
+                <a16:creationId xmlns:a16="http://schemas.microsoft.com/office/drawing/2014/main" id="{7A27AD9A-138B-5E73-9DBC-CABD80CFA952}"/>
+              </a:ext>
+            </a:extLst>
+          </p:cNvPr>
+          <p:cNvPicPr>
+            <a:picLocks noChangeAspect="1"/>
+          </p:cNvPicPr>
+          <p:nvPr/>
+        </p:nvPicPr>
+        <p:blipFill>
+          <a:blip r:embed="rId13"/>
+          <a:stretch>
+            <a:fillRect/>
+          </a:stretch>
+        </p:blipFill>
+        <p:spPr>
+          <a:xfrm>
+            <a:off x="1187428" y="4989405"/>
+            <a:ext cx="951664" cy="951664"/>
+          </a:xfrm>
+          <a:prstGeom prst="rect">
+            <a:avLst/>
+          </a:prstGeom>
+        </p:spPr>
+      </p:pic>
+      <p:pic>
+        <p:nvPicPr>
+          <p:cNvPr id="30" name="Picture 29">
+            <a:extLst>
+              <a:ext uri="{FF2B5EF4-FFF2-40B4-BE49-F238E27FC236}">
+                <a16:creationId xmlns:a16="http://schemas.microsoft.com/office/drawing/2014/main" id="{B1FABC1F-317C-0CBB-CAE5-AE8C6ABB0B80}"/>
+              </a:ext>
+            </a:extLst>
+          </p:cNvPr>
+          <p:cNvPicPr>
+            <a:picLocks noChangeAspect="1"/>
+          </p:cNvPicPr>
+          <p:nvPr/>
+        </p:nvPicPr>
+        <p:blipFill>
+          <a:blip r:embed="rId14"/>
+          <a:stretch>
+            <a:fillRect/>
+          </a:stretch>
+        </p:blipFill>
+        <p:spPr>
+          <a:xfrm>
+            <a:off x="1324568" y="66158"/>
+            <a:ext cx="2702956" cy="2702956"/>
+          </a:xfrm>
+          <a:prstGeom prst="rect">
+            <a:avLst/>
+          </a:prstGeom>
+        </p:spPr>
+      </p:pic>
+      <p:pic>
+        <p:nvPicPr>
+          <p:cNvPr id="32" name="Picture 31">
+            <a:extLst>
+              <a:ext uri="{FF2B5EF4-FFF2-40B4-BE49-F238E27FC236}">
+                <a16:creationId xmlns:a16="http://schemas.microsoft.com/office/drawing/2014/main" id="{23A72203-91B7-188A-35D6-485C774EDE95}"/>
+              </a:ext>
+            </a:extLst>
+          </p:cNvPr>
+          <p:cNvPicPr>
+            <a:picLocks noChangeAspect="1"/>
+          </p:cNvPicPr>
+          <p:nvPr/>
+        </p:nvPicPr>
+        <p:blipFill>
+          <a:blip r:embed="rId15"/>
+          <a:stretch>
+            <a:fillRect/>
+          </a:stretch>
+        </p:blipFill>
+        <p:spPr>
+          <a:xfrm>
+            <a:off x="12892419" y="2297066"/>
+            <a:ext cx="1440000" cy="1440000"/>
+          </a:xfrm>
+          <a:prstGeom prst="rect">
+            <a:avLst/>
+          </a:prstGeom>
+        </p:spPr>
+      </p:pic>
+      <p:pic>
+        <p:nvPicPr>
+          <p:cNvPr id="36" name="Picture 35">
+            <a:extLst>
+              <a:ext uri="{FF2B5EF4-FFF2-40B4-BE49-F238E27FC236}">
+                <a16:creationId xmlns:a16="http://schemas.microsoft.com/office/drawing/2014/main" id="{5C366927-C4DB-5CC8-A56D-148CF428BBBE}"/>
+              </a:ext>
+            </a:extLst>
+          </p:cNvPr>
+          <p:cNvPicPr>
+            <a:picLocks noChangeAspect="1"/>
+          </p:cNvPicPr>
+          <p:nvPr/>
+        </p:nvPicPr>
+        <p:blipFill>
+          <a:blip r:embed="rId16"/>
+          <a:stretch>
+            <a:fillRect/>
+          </a:stretch>
+        </p:blipFill>
+        <p:spPr>
+          <a:xfrm>
+            <a:off x="223259" y="1847136"/>
+            <a:ext cx="1719131" cy="1719131"/>
+          </a:xfrm>
+          <a:prstGeom prst="rect">
+            <a:avLst/>
+          </a:prstGeom>
+        </p:spPr>
+      </p:pic>
+      <p:pic>
+        <p:nvPicPr>
+          <p:cNvPr id="38" name="Picture 37">
+            <a:extLst>
+              <a:ext uri="{FF2B5EF4-FFF2-40B4-BE49-F238E27FC236}">
+                <a16:creationId xmlns:a16="http://schemas.microsoft.com/office/drawing/2014/main" id="{EA607114-25D8-A71B-1028-61734BE2C5E2}"/>
+              </a:ext>
+            </a:extLst>
+          </p:cNvPr>
+          <p:cNvPicPr>
+            <a:picLocks noChangeAspect="1"/>
+          </p:cNvPicPr>
+          <p:nvPr/>
+        </p:nvPicPr>
+        <p:blipFill>
+          <a:blip r:embed="rId17"/>
+          <a:stretch>
+            <a:fillRect/>
+          </a:stretch>
+        </p:blipFill>
+        <p:spPr>
+          <a:xfrm>
+            <a:off x="10715730" y="3195309"/>
+            <a:ext cx="1440000" cy="1440000"/>
+          </a:xfrm>
+          <a:prstGeom prst="rect">
+            <a:avLst/>
+          </a:prstGeom>
+        </p:spPr>
+      </p:pic>
+      <p:pic>
+        <p:nvPicPr>
+          <p:cNvPr id="40" name="Picture 39">
+            <a:extLst>
+              <a:ext uri="{FF2B5EF4-FFF2-40B4-BE49-F238E27FC236}">
+                <a16:creationId xmlns:a16="http://schemas.microsoft.com/office/drawing/2014/main" id="{75720C80-43E7-4FAF-4083-EF89AC3A7ED7}"/>
+              </a:ext>
+            </a:extLst>
+          </p:cNvPr>
+          <p:cNvPicPr>
+            <a:picLocks noChangeAspect="1"/>
+          </p:cNvPicPr>
+          <p:nvPr/>
+        </p:nvPicPr>
+        <p:blipFill>
+          <a:blip r:embed="rId18"/>
+          <a:stretch>
+            <a:fillRect/>
+          </a:stretch>
+        </p:blipFill>
+        <p:spPr>
+          <a:xfrm>
+            <a:off x="14911465" y="3132016"/>
+            <a:ext cx="1080000" cy="1080000"/>
+          </a:xfrm>
+          <a:prstGeom prst="rect">
+            <a:avLst/>
+          </a:prstGeom>
+        </p:spPr>
+      </p:pic>
+      <p:pic>
+        <p:nvPicPr>
+          <p:cNvPr id="44" name="Picture 43">
+            <a:extLst>
+              <a:ext uri="{FF2B5EF4-FFF2-40B4-BE49-F238E27FC236}">
+                <a16:creationId xmlns:a16="http://schemas.microsoft.com/office/drawing/2014/main" id="{B1E6AF48-2313-7BAA-E74E-4B06928E7323}"/>
+              </a:ext>
+            </a:extLst>
+          </p:cNvPr>
+          <p:cNvPicPr>
+            <a:picLocks noChangeAspect="1"/>
+          </p:cNvPicPr>
+          <p:nvPr/>
+        </p:nvPicPr>
+        <p:blipFill>
+          <a:blip r:embed="rId19"/>
+          <a:stretch>
+            <a:fillRect/>
+          </a:stretch>
+        </p:blipFill>
+        <p:spPr>
+          <a:xfrm>
+            <a:off x="3770381" y="4148972"/>
+            <a:ext cx="1800000" cy="1800000"/>
+          </a:xfrm>
+          <a:prstGeom prst="rect">
+            <a:avLst/>
+          </a:prstGeom>
+        </p:spPr>
+      </p:pic>
+      <p:pic>
+        <p:nvPicPr>
+          <p:cNvPr id="46" name="Picture 45">
+            <a:extLst>
+              <a:ext uri="{FF2B5EF4-FFF2-40B4-BE49-F238E27FC236}">
+                <a16:creationId xmlns:a16="http://schemas.microsoft.com/office/drawing/2014/main" id="{D669CC4C-04A4-48B9-6039-9DEB89C436E3}"/>
+              </a:ext>
+            </a:extLst>
+          </p:cNvPr>
+          <p:cNvPicPr>
+            <a:picLocks noChangeAspect="1"/>
+          </p:cNvPicPr>
+          <p:nvPr/>
+        </p:nvPicPr>
+        <p:blipFill>
+          <a:blip r:embed="rId20"/>
+          <a:stretch>
+            <a:fillRect/>
+          </a:stretch>
+        </p:blipFill>
+        <p:spPr>
+          <a:xfrm>
+            <a:off x="13613435" y="4643743"/>
+            <a:ext cx="2326789" cy="1208839"/>
+          </a:xfrm>
+          <a:prstGeom prst="rect">
+            <a:avLst/>
+          </a:prstGeom>
+        </p:spPr>
+      </p:pic>
+      <p:pic>
+        <p:nvPicPr>
+          <p:cNvPr id="48" name="Picture 47">
+            <a:extLst>
+              <a:ext uri="{FF2B5EF4-FFF2-40B4-BE49-F238E27FC236}">
+                <a16:creationId xmlns:a16="http://schemas.microsoft.com/office/drawing/2014/main" id="{2DB7B92E-13B8-2042-1E51-AC5D7992A922}"/>
+              </a:ext>
+            </a:extLst>
+          </p:cNvPr>
+          <p:cNvPicPr>
+            <a:picLocks noChangeAspect="1"/>
+          </p:cNvPicPr>
+          <p:nvPr/>
+        </p:nvPicPr>
+        <p:blipFill>
+          <a:blip r:embed="rId21"/>
+          <a:stretch>
+            <a:fillRect/>
+          </a:stretch>
+        </p:blipFill>
+        <p:spPr>
+          <a:xfrm>
+            <a:off x="3486814" y="2490837"/>
+            <a:ext cx="1571861" cy="1571861"/>
+          </a:xfrm>
+          <a:prstGeom prst="rect">
+            <a:avLst/>
+          </a:prstGeom>
+        </p:spPr>
+      </p:pic>
+      <p:pic>
+        <p:nvPicPr>
+          <p:cNvPr id="52" name="Picture 51">
+            <a:extLst>
+              <a:ext uri="{FF2B5EF4-FFF2-40B4-BE49-F238E27FC236}">
+                <a16:creationId xmlns:a16="http://schemas.microsoft.com/office/drawing/2014/main" id="{E84F9062-88A5-B2F4-979A-61AC7C26644F}"/>
+              </a:ext>
+            </a:extLst>
+          </p:cNvPr>
+          <p:cNvPicPr>
+            <a:picLocks noChangeAspect="1"/>
+          </p:cNvPicPr>
+          <p:nvPr/>
+        </p:nvPicPr>
+        <p:blipFill>
+          <a:blip r:embed="rId22"/>
+          <a:stretch>
+            <a:fillRect/>
+          </a:stretch>
+        </p:blipFill>
+        <p:spPr>
+          <a:xfrm>
+            <a:off x="7394453" y="896944"/>
+            <a:ext cx="1247625" cy="1247625"/>
+          </a:xfrm>
+          <a:prstGeom prst="rect">
+            <a:avLst/>
+          </a:prstGeom>
+        </p:spPr>
+      </p:pic>
+      <p:pic>
+        <p:nvPicPr>
+          <p:cNvPr id="54" name="Picture 53">
+            <a:extLst>
+              <a:ext uri="{FF2B5EF4-FFF2-40B4-BE49-F238E27FC236}">
+                <a16:creationId xmlns:a16="http://schemas.microsoft.com/office/drawing/2014/main" id="{7A127FA3-38BD-D71B-0E87-A099D7D7A36D}"/>
+              </a:ext>
+            </a:extLst>
+          </p:cNvPr>
+          <p:cNvPicPr>
+            <a:picLocks noChangeAspect="1"/>
+          </p:cNvPicPr>
+          <p:nvPr/>
+        </p:nvPicPr>
+        <p:blipFill>
+          <a:blip r:embed="rId23"/>
+          <a:stretch>
+            <a:fillRect/>
+          </a:stretch>
+        </p:blipFill>
+        <p:spPr>
+          <a:xfrm>
+            <a:off x="6265117" y="-160622"/>
+            <a:ext cx="1440000" cy="1440000"/>
+          </a:xfrm>
+          <a:prstGeom prst="rect">
+            <a:avLst/>
+          </a:prstGeom>
+        </p:spPr>
+      </p:pic>
+      <p:pic>
+        <p:nvPicPr>
+          <p:cNvPr id="56" name="Picture 55">
+            <a:extLst>
+              <a:ext uri="{FF2B5EF4-FFF2-40B4-BE49-F238E27FC236}">
+                <a16:creationId xmlns:a16="http://schemas.microsoft.com/office/drawing/2014/main" id="{05D1156E-8AC5-63FE-CDC4-0CCE97CF3854}"/>
+              </a:ext>
+            </a:extLst>
+          </p:cNvPr>
+          <p:cNvPicPr>
+            <a:picLocks noChangeAspect="1"/>
+          </p:cNvPicPr>
+          <p:nvPr/>
+        </p:nvPicPr>
+        <p:blipFill>
+          <a:blip r:embed="rId24"/>
+          <a:stretch>
+            <a:fillRect/>
+          </a:stretch>
+        </p:blipFill>
+        <p:spPr>
+          <a:xfrm>
+            <a:off x="12658951" y="297156"/>
+            <a:ext cx="1080000" cy="1080000"/>
+          </a:xfrm>
+          <a:prstGeom prst="rect">
+            <a:avLst/>
+          </a:prstGeom>
+        </p:spPr>
+      </p:pic>
+      <p:pic>
+        <p:nvPicPr>
+          <p:cNvPr id="58" name="Picture 57">
+            <a:extLst>
+              <a:ext uri="{FF2B5EF4-FFF2-40B4-BE49-F238E27FC236}">
+                <a16:creationId xmlns:a16="http://schemas.microsoft.com/office/drawing/2014/main" id="{1F2C27AF-5E74-7F11-0D8F-B0A085442CB2}"/>
+              </a:ext>
+            </a:extLst>
+          </p:cNvPr>
+          <p:cNvPicPr>
+            <a:picLocks noChangeAspect="1"/>
+          </p:cNvPicPr>
+          <p:nvPr/>
+        </p:nvPicPr>
+        <p:blipFill>
+          <a:blip r:embed="rId25"/>
+          <a:stretch>
+            <a:fillRect/>
+          </a:stretch>
+        </p:blipFill>
+        <p:spPr>
+          <a:xfrm>
+            <a:off x="11149867" y="4700759"/>
+            <a:ext cx="1080000" cy="1080000"/>
+          </a:xfrm>
+          <a:prstGeom prst="rect">
+            <a:avLst/>
+          </a:prstGeom>
+        </p:spPr>
+      </p:pic>
+      <p:pic>
+        <p:nvPicPr>
+          <p:cNvPr id="60" name="Picture 59">
+            <a:extLst>
+              <a:ext uri="{FF2B5EF4-FFF2-40B4-BE49-F238E27FC236}">
+                <a16:creationId xmlns:a16="http://schemas.microsoft.com/office/drawing/2014/main" id="{6861BD05-481F-9DF9-C1F3-599AC1D670DA}"/>
+              </a:ext>
+            </a:extLst>
+          </p:cNvPr>
+          <p:cNvPicPr>
+            <a:picLocks noChangeAspect="1"/>
+          </p:cNvPicPr>
+          <p:nvPr/>
+        </p:nvPicPr>
+        <p:blipFill>
+          <a:blip r:embed="rId26"/>
+          <a:stretch>
+            <a:fillRect/>
+          </a:stretch>
+        </p:blipFill>
+        <p:spPr>
+          <a:xfrm>
+            <a:off x="13952498" y="709955"/>
+            <a:ext cx="1800000" cy="1800000"/>
+          </a:xfrm>
+          <a:prstGeom prst="rect">
+            <a:avLst/>
+          </a:prstGeom>
+        </p:spPr>
+      </p:pic>
+      <p:pic>
+        <p:nvPicPr>
+          <p:cNvPr id="62" name="Picture 61">
+            <a:extLst>
+              <a:ext uri="{FF2B5EF4-FFF2-40B4-BE49-F238E27FC236}">
+                <a16:creationId xmlns:a16="http://schemas.microsoft.com/office/drawing/2014/main" id="{9AE0821B-949F-FB2E-FD32-CC84282C8D19}"/>
+              </a:ext>
+            </a:extLst>
+          </p:cNvPr>
+          <p:cNvPicPr>
+            <a:picLocks noChangeAspect="1"/>
+          </p:cNvPicPr>
+          <p:nvPr/>
+        </p:nvPicPr>
+        <p:blipFill>
+          <a:blip r:embed="rId27"/>
+          <a:stretch>
+            <a:fillRect/>
+          </a:stretch>
+        </p:blipFill>
+        <p:spPr>
+          <a:xfrm>
+            <a:off x="1290949" y="3112922"/>
+            <a:ext cx="2699582" cy="1518515"/>
+          </a:xfrm>
+          <a:prstGeom prst="rect">
+            <a:avLst/>
+          </a:prstGeom>
+        </p:spPr>
+      </p:pic>
+      <p:pic>
+        <p:nvPicPr>
+          <p:cNvPr id="66" name="Picture 65">
+            <a:extLst>
+              <a:ext uri="{FF2B5EF4-FFF2-40B4-BE49-F238E27FC236}">
+                <a16:creationId xmlns:a16="http://schemas.microsoft.com/office/drawing/2014/main" id="{BAFE26AC-667B-D7DF-B0FE-00EDD4CCF993}"/>
+              </a:ext>
+            </a:extLst>
+          </p:cNvPr>
+          <p:cNvPicPr>
+            <a:picLocks noChangeAspect="1"/>
+          </p:cNvPicPr>
+          <p:nvPr/>
+        </p:nvPicPr>
+        <p:blipFill>
+          <a:blip r:embed="rId28"/>
+          <a:stretch>
+            <a:fillRect/>
+          </a:stretch>
+        </p:blipFill>
+        <p:spPr>
+          <a:xfrm>
+            <a:off x="9148579" y="390846"/>
+            <a:ext cx="1917508" cy="1917508"/>
+          </a:xfrm>
+          <a:prstGeom prst="rect">
+            <a:avLst/>
+          </a:prstGeom>
+        </p:spPr>
+      </p:pic>
+      <p:pic>
+        <p:nvPicPr>
+          <p:cNvPr id="68" name="Picture 67">
+            <a:extLst>
+              <a:ext uri="{FF2B5EF4-FFF2-40B4-BE49-F238E27FC236}">
+                <a16:creationId xmlns:a16="http://schemas.microsoft.com/office/drawing/2014/main" id="{1790CF56-28E5-033A-E5DC-787787AE1369}"/>
+              </a:ext>
+            </a:extLst>
+          </p:cNvPr>
+          <p:cNvPicPr>
+            <a:picLocks noChangeAspect="1"/>
+          </p:cNvPicPr>
+          <p:nvPr/>
+        </p:nvPicPr>
+        <p:blipFill>
+          <a:blip r:embed="rId29"/>
+          <a:stretch>
+            <a:fillRect/>
+          </a:stretch>
+        </p:blipFill>
+        <p:spPr>
+          <a:xfrm>
+            <a:off x="12123747" y="3331741"/>
+            <a:ext cx="1846770" cy="1846770"/>
           </a:xfrm>
           <a:prstGeom prst="rect">
             <a:avLst/>
@@ -3141,6 +3830,1112 @@
   <p:clrMapOvr>
     <a:masterClrMapping/>
   </p:clrMapOvr>
+  <p:timing>
+    <p:tnLst>
+      <p:par>
+        <p:cTn id="1" dur="indefinite" restart="never" nodeType="tmRoot">
+          <p:childTnLst>
+            <p:seq concurrent="1" nextAc="seek">
+              <p:cTn id="2" dur="indefinite" nodeType="mainSeq">
+                <p:childTnLst>
+                  <p:par>
+                    <p:cTn id="3" fill="hold">
+                      <p:stCondLst>
+                        <p:cond delay="indefinite"/>
+                        <p:cond evt="onBegin" delay="0">
+                          <p:tn val="2"/>
+                        </p:cond>
+                      </p:stCondLst>
+                      <p:childTnLst>
+                        <p:par>
+                          <p:cTn id="4" fill="hold">
+                            <p:stCondLst>
+                              <p:cond delay="0"/>
+                            </p:stCondLst>
+                            <p:childTnLst>
+                              <p:par>
+                                <p:cTn id="5" presetID="23" presetClass="entr" presetSubtype="36" fill="hold" nodeType="afterEffect">
+                                  <p:stCondLst>
+                                    <p:cond delay="0"/>
+                                  </p:stCondLst>
+                                  <p:childTnLst>
+                                    <p:set>
+                                      <p:cBhvr>
+                                        <p:cTn id="6" dur="1" fill="hold">
+                                          <p:stCondLst>
+                                            <p:cond delay="0"/>
+                                          </p:stCondLst>
+                                        </p:cTn>
+                                        <p:tgtEl>
+                                          <p:spTgt spid="42"/>
+                                        </p:tgtEl>
+                                        <p:attrNameLst>
+                                          <p:attrName>style.visibility</p:attrName>
+                                        </p:attrNameLst>
+                                      </p:cBhvr>
+                                      <p:to>
+                                        <p:strVal val="visible"/>
+                                      </p:to>
+                                    </p:set>
+                                    <p:anim calcmode="lin" valueType="num">
+                                      <p:cBhvr>
+                                        <p:cTn id="7" dur="500" fill="hold"/>
+                                        <p:tgtEl>
+                                          <p:spTgt spid="42"/>
+                                        </p:tgtEl>
+                                        <p:attrNameLst>
+                                          <p:attrName>ppt_w</p:attrName>
+                                        </p:attrNameLst>
+                                      </p:cBhvr>
+                                      <p:tavLst>
+                                        <p:tav tm="0">
+                                          <p:val>
+                                            <p:strVal val="(6*min(max(#ppt_w*#ppt_h,.3),1)-7.4)/-.7*#ppt_w"/>
+                                          </p:val>
+                                        </p:tav>
+                                        <p:tav tm="100000">
+                                          <p:val>
+                                            <p:strVal val="#ppt_w"/>
+                                          </p:val>
+                                        </p:tav>
+                                      </p:tavLst>
+                                    </p:anim>
+                                    <p:anim calcmode="lin" valueType="num">
+                                      <p:cBhvr>
+                                        <p:cTn id="8" dur="500" fill="hold"/>
+                                        <p:tgtEl>
+                                          <p:spTgt spid="42"/>
+                                        </p:tgtEl>
+                                        <p:attrNameLst>
+                                          <p:attrName>ppt_h</p:attrName>
+                                        </p:attrNameLst>
+                                      </p:cBhvr>
+                                      <p:tavLst>
+                                        <p:tav tm="0">
+                                          <p:val>
+                                            <p:strVal val="(6*min(max(#ppt_w*#ppt_h,.3),1)-7.4)/-.7*#ppt_h"/>
+                                          </p:val>
+                                        </p:tav>
+                                        <p:tav tm="100000">
+                                          <p:val>
+                                            <p:strVal val="#ppt_h"/>
+                                          </p:val>
+                                        </p:tav>
+                                      </p:tavLst>
+                                    </p:anim>
+                                    <p:anim calcmode="lin" valueType="num">
+                                      <p:cBhvr>
+                                        <p:cTn id="9" dur="500" fill="hold"/>
+                                        <p:tgtEl>
+                                          <p:spTgt spid="42"/>
+                                        </p:tgtEl>
+                                        <p:attrNameLst>
+                                          <p:attrName>ppt_x</p:attrName>
+                                        </p:attrNameLst>
+                                      </p:cBhvr>
+                                      <p:tavLst>
+                                        <p:tav tm="0">
+                                          <p:val>
+                                            <p:fltVal val="0.5"/>
+                                          </p:val>
+                                        </p:tav>
+                                        <p:tav tm="100000">
+                                          <p:val>
+                                            <p:strVal val="#ppt_x"/>
+                                          </p:val>
+                                        </p:tav>
+                                      </p:tavLst>
+                                    </p:anim>
+                                    <p:anim calcmode="lin" valueType="num">
+                                      <p:cBhvr>
+                                        <p:cTn id="10" dur="500" fill="hold"/>
+                                        <p:tgtEl>
+                                          <p:spTgt spid="42"/>
+                                        </p:tgtEl>
+                                        <p:attrNameLst>
+                                          <p:attrName>ppt_y</p:attrName>
+                                        </p:attrNameLst>
+                                      </p:cBhvr>
+                                      <p:tavLst>
+                                        <p:tav tm="0">
+                                          <p:val>
+                                            <p:strVal val="1+(6*min(max(#ppt_w*#ppt_h,.3),1)-7.4)/-.7*#ppt_h/2"/>
+                                          </p:val>
+                                        </p:tav>
+                                        <p:tav tm="100000">
+                                          <p:val>
+                                            <p:strVal val="#ppt_y"/>
+                                          </p:val>
+                                        </p:tav>
+                                      </p:tavLst>
+                                    </p:anim>
+                                  </p:childTnLst>
+                                </p:cTn>
+                              </p:par>
+                            </p:childTnLst>
+                          </p:cTn>
+                        </p:par>
+                        <p:par>
+                          <p:cTn id="11" fill="hold">
+                            <p:stCondLst>
+                              <p:cond delay="500"/>
+                            </p:stCondLst>
+                            <p:childTnLst>
+                              <p:par>
+                                <p:cTn id="12" presetID="1" presetClass="entr" presetSubtype="0" fill="hold" nodeType="afterEffect">
+                                  <p:stCondLst>
+                                    <p:cond delay="100"/>
+                                  </p:stCondLst>
+                                  <p:childTnLst>
+                                    <p:set>
+                                      <p:cBhvr>
+                                        <p:cTn id="13" dur="1" fill="hold">
+                                          <p:stCondLst>
+                                            <p:cond delay="0"/>
+                                          </p:stCondLst>
+                                        </p:cTn>
+                                        <p:tgtEl>
+                                          <p:spTgt spid="44"/>
+                                        </p:tgtEl>
+                                        <p:attrNameLst>
+                                          <p:attrName>style.visibility</p:attrName>
+                                        </p:attrNameLst>
+                                      </p:cBhvr>
+                                      <p:to>
+                                        <p:strVal val="visible"/>
+                                      </p:to>
+                                    </p:set>
+                                  </p:childTnLst>
+                                </p:cTn>
+                              </p:par>
+                            </p:childTnLst>
+                          </p:cTn>
+                        </p:par>
+                        <p:par>
+                          <p:cTn id="14" fill="hold">
+                            <p:stCondLst>
+                              <p:cond delay="600"/>
+                            </p:stCondLst>
+                            <p:childTnLst>
+                              <p:par>
+                                <p:cTn id="15" presetID="1" presetClass="entr" presetSubtype="0" fill="hold" nodeType="afterEffect">
+                                  <p:stCondLst>
+                                    <p:cond delay="100"/>
+                                  </p:stCondLst>
+                                  <p:childTnLst>
+                                    <p:set>
+                                      <p:cBhvr>
+                                        <p:cTn id="16" dur="1" fill="hold">
+                                          <p:stCondLst>
+                                            <p:cond delay="0"/>
+                                          </p:stCondLst>
+                                        </p:cTn>
+                                        <p:tgtEl>
+                                          <p:spTgt spid="58"/>
+                                        </p:tgtEl>
+                                        <p:attrNameLst>
+                                          <p:attrName>style.visibility</p:attrName>
+                                        </p:attrNameLst>
+                                      </p:cBhvr>
+                                      <p:to>
+                                        <p:strVal val="visible"/>
+                                      </p:to>
+                                    </p:set>
+                                  </p:childTnLst>
+                                </p:cTn>
+                              </p:par>
+                            </p:childTnLst>
+                          </p:cTn>
+                        </p:par>
+                        <p:par>
+                          <p:cTn id="17" fill="hold">
+                            <p:stCondLst>
+                              <p:cond delay="700"/>
+                            </p:stCondLst>
+                            <p:childTnLst>
+                              <p:par>
+                                <p:cTn id="18" presetID="1" presetClass="entr" presetSubtype="0" fill="hold" nodeType="afterEffect">
+                                  <p:stCondLst>
+                                    <p:cond delay="100"/>
+                                  </p:stCondLst>
+                                  <p:childTnLst>
+                                    <p:set>
+                                      <p:cBhvr>
+                                        <p:cTn id="19" dur="1" fill="hold">
+                                          <p:stCondLst>
+                                            <p:cond delay="0"/>
+                                          </p:stCondLst>
+                                        </p:cTn>
+                                        <p:tgtEl>
+                                          <p:spTgt spid="48"/>
+                                        </p:tgtEl>
+                                        <p:attrNameLst>
+                                          <p:attrName>style.visibility</p:attrName>
+                                        </p:attrNameLst>
+                                      </p:cBhvr>
+                                      <p:to>
+                                        <p:strVal val="visible"/>
+                                      </p:to>
+                                    </p:set>
+                                  </p:childTnLst>
+                                </p:cTn>
+                              </p:par>
+                            </p:childTnLst>
+                          </p:cTn>
+                        </p:par>
+                        <p:par>
+                          <p:cTn id="20" fill="hold">
+                            <p:stCondLst>
+                              <p:cond delay="800"/>
+                            </p:stCondLst>
+                            <p:childTnLst>
+                              <p:par>
+                                <p:cTn id="21" presetID="1" presetClass="entr" presetSubtype="0" fill="hold" nodeType="afterEffect">
+                                  <p:stCondLst>
+                                    <p:cond delay="100"/>
+                                  </p:stCondLst>
+                                  <p:childTnLst>
+                                    <p:set>
+                                      <p:cBhvr>
+                                        <p:cTn id="22" dur="1" fill="hold">
+                                          <p:stCondLst>
+                                            <p:cond delay="0"/>
+                                          </p:stCondLst>
+                                        </p:cTn>
+                                        <p:tgtEl>
+                                          <p:spTgt spid="38"/>
+                                        </p:tgtEl>
+                                        <p:attrNameLst>
+                                          <p:attrName>style.visibility</p:attrName>
+                                        </p:attrNameLst>
+                                      </p:cBhvr>
+                                      <p:to>
+                                        <p:strVal val="visible"/>
+                                      </p:to>
+                                    </p:set>
+                                  </p:childTnLst>
+                                </p:cTn>
+                              </p:par>
+                            </p:childTnLst>
+                          </p:cTn>
+                        </p:par>
+                        <p:par>
+                          <p:cTn id="23" fill="hold">
+                            <p:stCondLst>
+                              <p:cond delay="900"/>
+                            </p:stCondLst>
+                            <p:childTnLst>
+                              <p:par>
+                                <p:cTn id="24" presetID="1" presetClass="entr" presetSubtype="0" fill="hold" nodeType="afterEffect">
+                                  <p:stCondLst>
+                                    <p:cond delay="100"/>
+                                  </p:stCondLst>
+                                  <p:childTnLst>
+                                    <p:set>
+                                      <p:cBhvr>
+                                        <p:cTn id="25" dur="1" fill="hold">
+                                          <p:stCondLst>
+                                            <p:cond delay="0"/>
+                                          </p:stCondLst>
+                                        </p:cTn>
+                                        <p:tgtEl>
+                                          <p:spTgt spid="64"/>
+                                        </p:tgtEl>
+                                        <p:attrNameLst>
+                                          <p:attrName>style.visibility</p:attrName>
+                                        </p:attrNameLst>
+                                      </p:cBhvr>
+                                      <p:to>
+                                        <p:strVal val="visible"/>
+                                      </p:to>
+                                    </p:set>
+                                  </p:childTnLst>
+                                </p:cTn>
+                              </p:par>
+                            </p:childTnLst>
+                          </p:cTn>
+                        </p:par>
+                        <p:par>
+                          <p:cTn id="26" fill="hold">
+                            <p:stCondLst>
+                              <p:cond delay="1000"/>
+                            </p:stCondLst>
+                            <p:childTnLst>
+                              <p:par>
+                                <p:cTn id="27" presetID="1" presetClass="entr" presetSubtype="0" fill="hold" nodeType="afterEffect">
+                                  <p:stCondLst>
+                                    <p:cond delay="100"/>
+                                  </p:stCondLst>
+                                  <p:childTnLst>
+                                    <p:set>
+                                      <p:cBhvr>
+                                        <p:cTn id="28" dur="1" fill="hold">
+                                          <p:stCondLst>
+                                            <p:cond delay="0"/>
+                                          </p:stCondLst>
+                                        </p:cTn>
+                                        <p:tgtEl>
+                                          <p:spTgt spid="34"/>
+                                        </p:tgtEl>
+                                        <p:attrNameLst>
+                                          <p:attrName>style.visibility</p:attrName>
+                                        </p:attrNameLst>
+                                      </p:cBhvr>
+                                      <p:to>
+                                        <p:strVal val="visible"/>
+                                      </p:to>
+                                    </p:set>
+                                  </p:childTnLst>
+                                </p:cTn>
+                              </p:par>
+                            </p:childTnLst>
+                          </p:cTn>
+                        </p:par>
+                        <p:par>
+                          <p:cTn id="29" fill="hold">
+                            <p:stCondLst>
+                              <p:cond delay="1100"/>
+                            </p:stCondLst>
+                            <p:childTnLst>
+                              <p:par>
+                                <p:cTn id="30" presetID="1" presetClass="entr" presetSubtype="0" fill="hold" nodeType="afterEffect">
+                                  <p:stCondLst>
+                                    <p:cond delay="100"/>
+                                  </p:stCondLst>
+                                  <p:childTnLst>
+                                    <p:set>
+                                      <p:cBhvr>
+                                        <p:cTn id="31" dur="1" fill="hold">
+                                          <p:stCondLst>
+                                            <p:cond delay="0"/>
+                                          </p:stCondLst>
+                                        </p:cTn>
+                                        <p:tgtEl>
+                                          <p:spTgt spid="66"/>
+                                        </p:tgtEl>
+                                        <p:attrNameLst>
+                                          <p:attrName>style.visibility</p:attrName>
+                                        </p:attrNameLst>
+                                      </p:cBhvr>
+                                      <p:to>
+                                        <p:strVal val="visible"/>
+                                      </p:to>
+                                    </p:set>
+                                  </p:childTnLst>
+                                </p:cTn>
+                              </p:par>
+                            </p:childTnLst>
+                          </p:cTn>
+                        </p:par>
+                        <p:par>
+                          <p:cTn id="32" fill="hold">
+                            <p:stCondLst>
+                              <p:cond delay="1200"/>
+                            </p:stCondLst>
+                            <p:childTnLst>
+                              <p:par>
+                                <p:cTn id="33" presetID="1" presetClass="entr" presetSubtype="0" fill="hold" nodeType="afterEffect">
+                                  <p:stCondLst>
+                                    <p:cond delay="100"/>
+                                  </p:stCondLst>
+                                  <p:childTnLst>
+                                    <p:set>
+                                      <p:cBhvr>
+                                        <p:cTn id="34" dur="1" fill="hold">
+                                          <p:stCondLst>
+                                            <p:cond delay="0"/>
+                                          </p:stCondLst>
+                                        </p:cTn>
+                                        <p:tgtEl>
+                                          <p:spTgt spid="30"/>
+                                        </p:tgtEl>
+                                        <p:attrNameLst>
+                                          <p:attrName>style.visibility</p:attrName>
+                                        </p:attrNameLst>
+                                      </p:cBhvr>
+                                      <p:to>
+                                        <p:strVal val="visible"/>
+                                      </p:to>
+                                    </p:set>
+                                  </p:childTnLst>
+                                </p:cTn>
+                              </p:par>
+                            </p:childTnLst>
+                          </p:cTn>
+                        </p:par>
+                        <p:par>
+                          <p:cTn id="35" fill="hold">
+                            <p:stCondLst>
+                              <p:cond delay="1300"/>
+                            </p:stCondLst>
+                            <p:childTnLst>
+                              <p:par>
+                                <p:cTn id="36" presetID="1" presetClass="entr" presetSubtype="0" fill="hold" nodeType="afterEffect">
+                                  <p:stCondLst>
+                                    <p:cond delay="100"/>
+                                  </p:stCondLst>
+                                  <p:childTnLst>
+                                    <p:set>
+                                      <p:cBhvr>
+                                        <p:cTn id="37" dur="1" fill="hold">
+                                          <p:stCondLst>
+                                            <p:cond delay="0"/>
+                                          </p:stCondLst>
+                                        </p:cTn>
+                                        <p:tgtEl>
+                                          <p:spTgt spid="18"/>
+                                        </p:tgtEl>
+                                        <p:attrNameLst>
+                                          <p:attrName>style.visibility</p:attrName>
+                                        </p:attrNameLst>
+                                      </p:cBhvr>
+                                      <p:to>
+                                        <p:strVal val="visible"/>
+                                      </p:to>
+                                    </p:set>
+                                  </p:childTnLst>
+                                </p:cTn>
+                              </p:par>
+                            </p:childTnLst>
+                          </p:cTn>
+                        </p:par>
+                        <p:par>
+                          <p:cTn id="38" fill="hold">
+                            <p:stCondLst>
+                              <p:cond delay="1400"/>
+                            </p:stCondLst>
+                            <p:childTnLst>
+                              <p:par>
+                                <p:cTn id="39" presetID="1" presetClass="entr" presetSubtype="0" fill="hold" nodeType="afterEffect">
+                                  <p:stCondLst>
+                                    <p:cond delay="100"/>
+                                  </p:stCondLst>
+                                  <p:childTnLst>
+                                    <p:set>
+                                      <p:cBhvr>
+                                        <p:cTn id="40" dur="1" fill="hold">
+                                          <p:stCondLst>
+                                            <p:cond delay="0"/>
+                                          </p:stCondLst>
+                                        </p:cTn>
+                                        <p:tgtEl>
+                                          <p:spTgt spid="62"/>
+                                        </p:tgtEl>
+                                        <p:attrNameLst>
+                                          <p:attrName>style.visibility</p:attrName>
+                                        </p:attrNameLst>
+                                      </p:cBhvr>
+                                      <p:to>
+                                        <p:strVal val="visible"/>
+                                      </p:to>
+                                    </p:set>
+                                  </p:childTnLst>
+                                </p:cTn>
+                              </p:par>
+                            </p:childTnLst>
+                          </p:cTn>
+                        </p:par>
+                        <p:par>
+                          <p:cTn id="41" fill="hold">
+                            <p:stCondLst>
+                              <p:cond delay="1500"/>
+                            </p:stCondLst>
+                            <p:childTnLst>
+                              <p:par>
+                                <p:cTn id="42" presetID="1" presetClass="entr" presetSubtype="0" fill="hold" nodeType="afterEffect">
+                                  <p:stCondLst>
+                                    <p:cond delay="100"/>
+                                  </p:stCondLst>
+                                  <p:childTnLst>
+                                    <p:set>
+                                      <p:cBhvr>
+                                        <p:cTn id="43" dur="1" fill="hold">
+                                          <p:stCondLst>
+                                            <p:cond delay="0"/>
+                                          </p:stCondLst>
+                                        </p:cTn>
+                                        <p:tgtEl>
+                                          <p:spTgt spid="52"/>
+                                        </p:tgtEl>
+                                        <p:attrNameLst>
+                                          <p:attrName>style.visibility</p:attrName>
+                                        </p:attrNameLst>
+                                      </p:cBhvr>
+                                      <p:to>
+                                        <p:strVal val="visible"/>
+                                      </p:to>
+                                    </p:set>
+                                  </p:childTnLst>
+                                </p:cTn>
+                              </p:par>
+                            </p:childTnLst>
+                          </p:cTn>
+                        </p:par>
+                        <p:par>
+                          <p:cTn id="44" fill="hold">
+                            <p:stCondLst>
+                              <p:cond delay="1600"/>
+                            </p:stCondLst>
+                            <p:childTnLst>
+                              <p:par>
+                                <p:cTn id="45" presetID="1" presetClass="entr" presetSubtype="0" fill="hold" nodeType="afterEffect">
+                                  <p:stCondLst>
+                                    <p:cond delay="100"/>
+                                  </p:stCondLst>
+                                  <p:childTnLst>
+                                    <p:set>
+                                      <p:cBhvr>
+                                        <p:cTn id="46" dur="1" fill="hold">
+                                          <p:stCondLst>
+                                            <p:cond delay="0"/>
+                                          </p:stCondLst>
+                                        </p:cTn>
+                                        <p:tgtEl>
+                                          <p:spTgt spid="26"/>
+                                        </p:tgtEl>
+                                        <p:attrNameLst>
+                                          <p:attrName>style.visibility</p:attrName>
+                                        </p:attrNameLst>
+                                      </p:cBhvr>
+                                      <p:to>
+                                        <p:strVal val="visible"/>
+                                      </p:to>
+                                    </p:set>
+                                  </p:childTnLst>
+                                </p:cTn>
+                              </p:par>
+                            </p:childTnLst>
+                          </p:cTn>
+                        </p:par>
+                        <p:par>
+                          <p:cTn id="47" fill="hold">
+                            <p:stCondLst>
+                              <p:cond delay="1700"/>
+                            </p:stCondLst>
+                            <p:childTnLst>
+                              <p:par>
+                                <p:cTn id="48" presetID="1" presetClass="entr" presetSubtype="0" fill="hold" nodeType="afterEffect">
+                                  <p:stCondLst>
+                                    <p:cond delay="100"/>
+                                  </p:stCondLst>
+                                  <p:childTnLst>
+                                    <p:set>
+                                      <p:cBhvr>
+                                        <p:cTn id="49" dur="1" fill="hold">
+                                          <p:stCondLst>
+                                            <p:cond delay="0"/>
+                                          </p:stCondLst>
+                                        </p:cTn>
+                                        <p:tgtEl>
+                                          <p:spTgt spid="20"/>
+                                        </p:tgtEl>
+                                        <p:attrNameLst>
+                                          <p:attrName>style.visibility</p:attrName>
+                                        </p:attrNameLst>
+                                      </p:cBhvr>
+                                      <p:to>
+                                        <p:strVal val="visible"/>
+                                      </p:to>
+                                    </p:set>
+                                  </p:childTnLst>
+                                </p:cTn>
+                              </p:par>
+                            </p:childTnLst>
+                          </p:cTn>
+                        </p:par>
+                        <p:par>
+                          <p:cTn id="50" fill="hold">
+                            <p:stCondLst>
+                              <p:cond delay="1800"/>
+                            </p:stCondLst>
+                            <p:childTnLst>
+                              <p:par>
+                                <p:cTn id="51" presetID="1" presetClass="entr" presetSubtype="0" fill="hold" nodeType="afterEffect">
+                                  <p:stCondLst>
+                                    <p:cond delay="100"/>
+                                  </p:stCondLst>
+                                  <p:childTnLst>
+                                    <p:set>
+                                      <p:cBhvr>
+                                        <p:cTn id="52" dur="1" fill="hold">
+                                          <p:stCondLst>
+                                            <p:cond delay="0"/>
+                                          </p:stCondLst>
+                                        </p:cTn>
+                                        <p:tgtEl>
+                                          <p:spTgt spid="7"/>
+                                        </p:tgtEl>
+                                        <p:attrNameLst>
+                                          <p:attrName>style.visibility</p:attrName>
+                                        </p:attrNameLst>
+                                      </p:cBhvr>
+                                      <p:to>
+                                        <p:strVal val="visible"/>
+                                      </p:to>
+                                    </p:set>
+                                  </p:childTnLst>
+                                </p:cTn>
+                              </p:par>
+                            </p:childTnLst>
+                          </p:cTn>
+                        </p:par>
+                        <p:par>
+                          <p:cTn id="53" fill="hold">
+                            <p:stCondLst>
+                              <p:cond delay="1900"/>
+                            </p:stCondLst>
+                            <p:childTnLst>
+                              <p:par>
+                                <p:cTn id="54" presetID="1" presetClass="entr" presetSubtype="0" fill="hold" nodeType="afterEffect">
+                                  <p:stCondLst>
+                                    <p:cond delay="100"/>
+                                  </p:stCondLst>
+                                  <p:childTnLst>
+                                    <p:set>
+                                      <p:cBhvr>
+                                        <p:cTn id="55" dur="1" fill="hold">
+                                          <p:stCondLst>
+                                            <p:cond delay="0"/>
+                                          </p:stCondLst>
+                                        </p:cTn>
+                                        <p:tgtEl>
+                                          <p:spTgt spid="54"/>
+                                        </p:tgtEl>
+                                        <p:attrNameLst>
+                                          <p:attrName>style.visibility</p:attrName>
+                                        </p:attrNameLst>
+                                      </p:cBhvr>
+                                      <p:to>
+                                        <p:strVal val="visible"/>
+                                      </p:to>
+                                    </p:set>
+                                  </p:childTnLst>
+                                </p:cTn>
+                              </p:par>
+                            </p:childTnLst>
+                          </p:cTn>
+                        </p:par>
+                        <p:par>
+                          <p:cTn id="56" fill="hold">
+                            <p:stCondLst>
+                              <p:cond delay="2000"/>
+                            </p:stCondLst>
+                            <p:childTnLst>
+                              <p:par>
+                                <p:cTn id="57" presetID="1" presetClass="entr" presetSubtype="0" fill="hold" nodeType="afterEffect">
+                                  <p:stCondLst>
+                                    <p:cond delay="100"/>
+                                  </p:stCondLst>
+                                  <p:childTnLst>
+                                    <p:set>
+                                      <p:cBhvr>
+                                        <p:cTn id="58" dur="1" fill="hold">
+                                          <p:stCondLst>
+                                            <p:cond delay="0"/>
+                                          </p:stCondLst>
+                                        </p:cTn>
+                                        <p:tgtEl>
+                                          <p:spTgt spid="56"/>
+                                        </p:tgtEl>
+                                        <p:attrNameLst>
+                                          <p:attrName>style.visibility</p:attrName>
+                                        </p:attrNameLst>
+                                      </p:cBhvr>
+                                      <p:to>
+                                        <p:strVal val="visible"/>
+                                      </p:to>
+                                    </p:set>
+                                  </p:childTnLst>
+                                </p:cTn>
+                              </p:par>
+                            </p:childTnLst>
+                          </p:cTn>
+                        </p:par>
+                        <p:par>
+                          <p:cTn id="59" fill="hold">
+                            <p:stCondLst>
+                              <p:cond delay="2100"/>
+                            </p:stCondLst>
+                            <p:childTnLst>
+                              <p:par>
+                                <p:cTn id="60" presetID="1" presetClass="entr" presetSubtype="0" fill="hold" nodeType="afterEffect">
+                                  <p:stCondLst>
+                                    <p:cond delay="100"/>
+                                  </p:stCondLst>
+                                  <p:childTnLst>
+                                    <p:set>
+                                      <p:cBhvr>
+                                        <p:cTn id="61" dur="1" fill="hold">
+                                          <p:stCondLst>
+                                            <p:cond delay="0"/>
+                                          </p:stCondLst>
+                                        </p:cTn>
+                                        <p:tgtEl>
+                                          <p:spTgt spid="68"/>
+                                        </p:tgtEl>
+                                        <p:attrNameLst>
+                                          <p:attrName>style.visibility</p:attrName>
+                                        </p:attrNameLst>
+                                      </p:cBhvr>
+                                      <p:to>
+                                        <p:strVal val="visible"/>
+                                      </p:to>
+                                    </p:set>
+                                  </p:childTnLst>
+                                </p:cTn>
+                              </p:par>
+                            </p:childTnLst>
+                          </p:cTn>
+                        </p:par>
+                        <p:par>
+                          <p:cTn id="62" fill="hold">
+                            <p:stCondLst>
+                              <p:cond delay="2200"/>
+                            </p:stCondLst>
+                            <p:childTnLst>
+                              <p:par>
+                                <p:cTn id="63" presetID="1" presetClass="entr" presetSubtype="0" fill="hold" nodeType="afterEffect">
+                                  <p:stCondLst>
+                                    <p:cond delay="100"/>
+                                  </p:stCondLst>
+                                  <p:childTnLst>
+                                    <p:set>
+                                      <p:cBhvr>
+                                        <p:cTn id="64" dur="1" fill="hold">
+                                          <p:stCondLst>
+                                            <p:cond delay="0"/>
+                                          </p:stCondLst>
+                                        </p:cTn>
+                                        <p:tgtEl>
+                                          <p:spTgt spid="36"/>
+                                        </p:tgtEl>
+                                        <p:attrNameLst>
+                                          <p:attrName>style.visibility</p:attrName>
+                                        </p:attrNameLst>
+                                      </p:cBhvr>
+                                      <p:to>
+                                        <p:strVal val="visible"/>
+                                      </p:to>
+                                    </p:set>
+                                  </p:childTnLst>
+                                </p:cTn>
+                              </p:par>
+                            </p:childTnLst>
+                          </p:cTn>
+                        </p:par>
+                        <p:par>
+                          <p:cTn id="65" fill="hold">
+                            <p:stCondLst>
+                              <p:cond delay="2300"/>
+                            </p:stCondLst>
+                            <p:childTnLst>
+                              <p:par>
+                                <p:cTn id="66" presetID="1" presetClass="entr" presetSubtype="0" fill="hold" nodeType="afterEffect">
+                                  <p:stCondLst>
+                                    <p:cond delay="100"/>
+                                  </p:stCondLst>
+                                  <p:childTnLst>
+                                    <p:set>
+                                      <p:cBhvr>
+                                        <p:cTn id="67" dur="1" fill="hold">
+                                          <p:stCondLst>
+                                            <p:cond delay="0"/>
+                                          </p:stCondLst>
+                                        </p:cTn>
+                                        <p:tgtEl>
+                                          <p:spTgt spid="32"/>
+                                        </p:tgtEl>
+                                        <p:attrNameLst>
+                                          <p:attrName>style.visibility</p:attrName>
+                                        </p:attrNameLst>
+                                      </p:cBhvr>
+                                      <p:to>
+                                        <p:strVal val="visible"/>
+                                      </p:to>
+                                    </p:set>
+                                  </p:childTnLst>
+                                </p:cTn>
+                              </p:par>
+                            </p:childTnLst>
+                          </p:cTn>
+                        </p:par>
+                        <p:par>
+                          <p:cTn id="68" fill="hold">
+                            <p:stCondLst>
+                              <p:cond delay="2400"/>
+                            </p:stCondLst>
+                            <p:childTnLst>
+                              <p:par>
+                                <p:cTn id="69" presetID="1" presetClass="entr" presetSubtype="0" fill="hold" nodeType="afterEffect">
+                                  <p:stCondLst>
+                                    <p:cond delay="100"/>
+                                  </p:stCondLst>
+                                  <p:childTnLst>
+                                    <p:set>
+                                      <p:cBhvr>
+                                        <p:cTn id="70" dur="1" fill="hold">
+                                          <p:stCondLst>
+                                            <p:cond delay="0"/>
+                                          </p:stCondLst>
+                                        </p:cTn>
+                                        <p:tgtEl>
+                                          <p:spTgt spid="40"/>
+                                        </p:tgtEl>
+                                        <p:attrNameLst>
+                                          <p:attrName>style.visibility</p:attrName>
+                                        </p:attrNameLst>
+                                      </p:cBhvr>
+                                      <p:to>
+                                        <p:strVal val="visible"/>
+                                      </p:to>
+                                    </p:set>
+                                  </p:childTnLst>
+                                </p:cTn>
+                              </p:par>
+                            </p:childTnLst>
+                          </p:cTn>
+                        </p:par>
+                        <p:par>
+                          <p:cTn id="71" fill="hold">
+                            <p:stCondLst>
+                              <p:cond delay="2500"/>
+                            </p:stCondLst>
+                            <p:childTnLst>
+                              <p:par>
+                                <p:cTn id="72" presetID="1" presetClass="entr" presetSubtype="0" fill="hold" nodeType="afterEffect">
+                                  <p:stCondLst>
+                                    <p:cond delay="100"/>
+                                  </p:stCondLst>
+                                  <p:childTnLst>
+                                    <p:set>
+                                      <p:cBhvr>
+                                        <p:cTn id="73" dur="1" fill="hold">
+                                          <p:stCondLst>
+                                            <p:cond delay="0"/>
+                                          </p:stCondLst>
+                                        </p:cTn>
+                                        <p:tgtEl>
+                                          <p:spTgt spid="14"/>
+                                        </p:tgtEl>
+                                        <p:attrNameLst>
+                                          <p:attrName>style.visibility</p:attrName>
+                                        </p:attrNameLst>
+                                      </p:cBhvr>
+                                      <p:to>
+                                        <p:strVal val="visible"/>
+                                      </p:to>
+                                    </p:set>
+                                  </p:childTnLst>
+                                </p:cTn>
+                              </p:par>
+                            </p:childTnLst>
+                          </p:cTn>
+                        </p:par>
+                        <p:par>
+                          <p:cTn id="74" fill="hold">
+                            <p:stCondLst>
+                              <p:cond delay="2600"/>
+                            </p:stCondLst>
+                            <p:childTnLst>
+                              <p:par>
+                                <p:cTn id="75" presetID="1" presetClass="entr" presetSubtype="0" fill="hold" nodeType="afterEffect">
+                                  <p:stCondLst>
+                                    <p:cond delay="100"/>
+                                  </p:stCondLst>
+                                  <p:childTnLst>
+                                    <p:set>
+                                      <p:cBhvr>
+                                        <p:cTn id="76" dur="1" fill="hold">
+                                          <p:stCondLst>
+                                            <p:cond delay="0"/>
+                                          </p:stCondLst>
+                                        </p:cTn>
+                                        <p:tgtEl>
+                                          <p:spTgt spid="22"/>
+                                        </p:tgtEl>
+                                        <p:attrNameLst>
+                                          <p:attrName>style.visibility</p:attrName>
+                                        </p:attrNameLst>
+                                      </p:cBhvr>
+                                      <p:to>
+                                        <p:strVal val="visible"/>
+                                      </p:to>
+                                    </p:set>
+                                  </p:childTnLst>
+                                </p:cTn>
+                              </p:par>
+                            </p:childTnLst>
+                          </p:cTn>
+                        </p:par>
+                        <p:par>
+                          <p:cTn id="77" fill="hold">
+                            <p:stCondLst>
+                              <p:cond delay="2700"/>
+                            </p:stCondLst>
+                            <p:childTnLst>
+                              <p:par>
+                                <p:cTn id="78" presetID="1" presetClass="entr" presetSubtype="0" fill="hold" nodeType="afterEffect">
+                                  <p:stCondLst>
+                                    <p:cond delay="100"/>
+                                  </p:stCondLst>
+                                  <p:childTnLst>
+                                    <p:set>
+                                      <p:cBhvr>
+                                        <p:cTn id="79" dur="1" fill="hold">
+                                          <p:stCondLst>
+                                            <p:cond delay="0"/>
+                                          </p:stCondLst>
+                                        </p:cTn>
+                                        <p:tgtEl>
+                                          <p:spTgt spid="28"/>
+                                        </p:tgtEl>
+                                        <p:attrNameLst>
+                                          <p:attrName>style.visibility</p:attrName>
+                                        </p:attrNameLst>
+                                      </p:cBhvr>
+                                      <p:to>
+                                        <p:strVal val="visible"/>
+                                      </p:to>
+                                    </p:set>
+                                  </p:childTnLst>
+                                </p:cTn>
+                              </p:par>
+                            </p:childTnLst>
+                          </p:cTn>
+                        </p:par>
+                        <p:par>
+                          <p:cTn id="80" fill="hold">
+                            <p:stCondLst>
+                              <p:cond delay="2800"/>
+                            </p:stCondLst>
+                            <p:childTnLst>
+                              <p:par>
+                                <p:cTn id="81" presetID="1" presetClass="entr" presetSubtype="0" fill="hold" nodeType="afterEffect">
+                                  <p:stCondLst>
+                                    <p:cond delay="100"/>
+                                  </p:stCondLst>
+                                  <p:childTnLst>
+                                    <p:set>
+                                      <p:cBhvr>
+                                        <p:cTn id="82" dur="1" fill="hold">
+                                          <p:stCondLst>
+                                            <p:cond delay="0"/>
+                                          </p:stCondLst>
+                                        </p:cTn>
+                                        <p:tgtEl>
+                                          <p:spTgt spid="60"/>
+                                        </p:tgtEl>
+                                        <p:attrNameLst>
+                                          <p:attrName>style.visibility</p:attrName>
+                                        </p:attrNameLst>
+                                      </p:cBhvr>
+                                      <p:to>
+                                        <p:strVal val="visible"/>
+                                      </p:to>
+                                    </p:set>
+                                  </p:childTnLst>
+                                </p:cTn>
+                              </p:par>
+                            </p:childTnLst>
+                          </p:cTn>
+                        </p:par>
+                        <p:par>
+                          <p:cTn id="83" fill="hold">
+                            <p:stCondLst>
+                              <p:cond delay="2900"/>
+                            </p:stCondLst>
+                            <p:childTnLst>
+                              <p:par>
+                                <p:cTn id="84" presetID="1" presetClass="entr" presetSubtype="0" fill="hold" nodeType="afterEffect">
+                                  <p:stCondLst>
+                                    <p:cond delay="100"/>
+                                  </p:stCondLst>
+                                  <p:childTnLst>
+                                    <p:set>
+                                      <p:cBhvr>
+                                        <p:cTn id="85" dur="1" fill="hold">
+                                          <p:stCondLst>
+                                            <p:cond delay="0"/>
+                                          </p:stCondLst>
+                                        </p:cTn>
+                                        <p:tgtEl>
+                                          <p:spTgt spid="24"/>
+                                        </p:tgtEl>
+                                        <p:attrNameLst>
+                                          <p:attrName>style.visibility</p:attrName>
+                                        </p:attrNameLst>
+                                      </p:cBhvr>
+                                      <p:to>
+                                        <p:strVal val="visible"/>
+                                      </p:to>
+                                    </p:set>
+                                  </p:childTnLst>
+                                </p:cTn>
+                              </p:par>
+                            </p:childTnLst>
+                          </p:cTn>
+                        </p:par>
+                        <p:par>
+                          <p:cTn id="86" fill="hold">
+                            <p:stCondLst>
+                              <p:cond delay="3000"/>
+                            </p:stCondLst>
+                            <p:childTnLst>
+                              <p:par>
+                                <p:cTn id="87" presetID="1" presetClass="entr" presetSubtype="0" fill="hold" nodeType="afterEffect">
+                                  <p:stCondLst>
+                                    <p:cond delay="100"/>
+                                  </p:stCondLst>
+                                  <p:childTnLst>
+                                    <p:set>
+                                      <p:cBhvr>
+                                        <p:cTn id="88" dur="1" fill="hold">
+                                          <p:stCondLst>
+                                            <p:cond delay="0"/>
+                                          </p:stCondLst>
+                                        </p:cTn>
+                                        <p:tgtEl>
+                                          <p:spTgt spid="46"/>
+                                        </p:tgtEl>
+                                        <p:attrNameLst>
+                                          <p:attrName>style.visibility</p:attrName>
+                                        </p:attrNameLst>
+                                      </p:cBhvr>
+                                      <p:to>
+                                        <p:strVal val="visible"/>
+                                      </p:to>
+                                    </p:set>
+                                  </p:childTnLst>
+                                </p:cTn>
+                              </p:par>
+                            </p:childTnLst>
+                          </p:cTn>
+                        </p:par>
+                      </p:childTnLst>
+                    </p:cTn>
+                  </p:par>
+                </p:childTnLst>
+              </p:cTn>
+              <p:prevCondLst>
+                <p:cond evt="onPrev" delay="0">
+                  <p:tgtEl>
+                    <p:sldTgt/>
+                  </p:tgtEl>
+                </p:cond>
+              </p:prevCondLst>
+              <p:nextCondLst>
+                <p:cond evt="onNext" delay="0">
+                  <p:tgtEl>
+                    <p:sldTgt/>
+                  </p:tgtEl>
+                </p:cond>
+              </p:nextCondLst>
+            </p:seq>
+          </p:childTnLst>
+        </p:cTn>
+      </p:par>
+    </p:tnLst>
+  </p:timing>
 </p:sld>
 </file>
 
